--- a/soutenance_projet_techno_web_4.pptx
+++ b/soutenance_projet_techno_web_4.pptx
@@ -120,6 +120,11 @@
       </a:defRPr>
     </a:lvl9pPr>
   </p:defaultTextStyle>
+  <p:extLst>
+    <p:ext uri="{EFAFB233-063F-42B5-8137-9DF3F51BA10A}">
+      <p15:sldGuideLst xmlns:p15="http://schemas.microsoft.com/office/powerpoint/2012/main"/>
+    </p:ext>
+  </p:extLst>
 </p:presentation>
 </file>
 
@@ -13494,7 +13499,7 @@
         </p:nvSpPr>
         <p:spPr>
           <a:xfrm>
-            <a:off x="457200" y="2709000"/>
+            <a:off x="516600" y="2758140"/>
             <a:ext cx="4834440" cy="3416760"/>
           </a:xfrm>
           <a:prstGeom prst="rect">
@@ -13531,6 +13536,30 @@
                 <a:latin typeface="Cambria"/>
               </a:rPr>
               <a:t>Justifier votre auto-évaluation</a:t>
+            </a:r>
+          </a:p>
+          <a:p>
+            <a:pPr marL="809640" lvl="1" indent="-449280">
+              <a:lnSpc>
+                <a:spcPct val="100000"/>
+              </a:lnSpc>
+              <a:spcBef>
+                <a:spcPts val="320"/>
+              </a:spcBef>
+              <a:buClr>
+                <a:srgbClr val="000000"/>
+              </a:buClr>
+              <a:buFont typeface="Arial"/>
+              <a:buChar char="—"/>
+            </a:pPr>
+            <a:r>
+              <a:rPr lang="fr-FR" sz="1600" b="0" strike="noStrike" spc="-1" dirty="0">
+                <a:solidFill>
+                  <a:schemeClr val="dk1"/>
+                </a:solidFill>
+                <a:latin typeface="Cambria"/>
+              </a:rPr>
+              <a:t>Historique git conséquent</a:t>
             </a:r>
           </a:p>
           <a:p>
@@ -13593,7 +13622,7 @@
                 </a:solidFill>
                 <a:latin typeface="Cambria"/>
               </a:rPr>
-              <a:t>Logique composante et bonne pratique Next</a:t>
+              <a:t>Structure suivant les bonnes pratiques Next</a:t>
             </a:r>
             <a:endParaRPr lang="fr-FR" sz="1600" b="0" strike="noStrike" spc="-1" dirty="0">
               <a:solidFill>
@@ -13601,30 +13630,6 @@
               </a:solidFill>
               <a:latin typeface="Cambria"/>
             </a:endParaRPr>
-          </a:p>
-          <a:p>
-            <a:pPr marL="809640" lvl="1" indent="-449280" defTabSz="914400">
-              <a:lnSpc>
-                <a:spcPct val="100000"/>
-              </a:lnSpc>
-              <a:spcBef>
-                <a:spcPts val="320"/>
-              </a:spcBef>
-              <a:buClr>
-                <a:srgbClr val="000000"/>
-              </a:buClr>
-              <a:buFont typeface="Arial"/>
-              <a:buChar char="—"/>
-            </a:pPr>
-            <a:r>
-              <a:rPr lang="fr-FR" sz="1600" b="0" strike="noStrike" spc="-1" dirty="0">
-                <a:solidFill>
-                  <a:schemeClr val="dk1"/>
-                </a:solidFill>
-                <a:latin typeface="Cambria"/>
-              </a:rPr>
-              <a:t>Historique git conséquent</a:t>
-            </a:r>
           </a:p>
           <a:p>
             <a:pPr marL="809640" lvl="1" indent="-449280">
@@ -13641,6 +13646,25 @@
               <a:buChar char="—"/>
             </a:pPr>
             <a:r>
+              <a:rPr lang="fr-FR" sz="1600" spc="-1" dirty="0">
+                <a:solidFill>
+                  <a:schemeClr val="dk1"/>
+                </a:solidFill>
+                <a:latin typeface="Cambria"/>
+              </a:rPr>
+              <a:t>Logique composante et </a:t>
+            </a:r>
+            <a:r>
+              <a:rPr lang="fr-FR" sz="1600" spc="-1" dirty="0">
+                <a:solidFill>
+                  <a:srgbClr val="101418"/>
+                </a:solidFill>
+                <a:latin typeface="Cambria" panose="02040503050406030204" pitchFamily="18" charset="0"/>
+                <a:ea typeface="Cambria" panose="02040503050406030204" pitchFamily="18" charset="0"/>
+              </a:rPr>
+              <a:t>p</a:t>
+            </a:r>
+            <a:r>
               <a:rPr lang="fr-FR" sz="1600" b="0" i="0" dirty="0">
                 <a:solidFill>
                   <a:srgbClr val="101418"/>
@@ -13649,7 +13673,7 @@
                 <a:latin typeface="Cambria" panose="02040503050406030204" pitchFamily="18" charset="0"/>
                 <a:ea typeface="Cambria" panose="02040503050406030204" pitchFamily="18" charset="0"/>
               </a:rPr>
-              <a:t>Principe de responsabilité unique</a:t>
+              <a:t>rincipe de responsabilité unique</a:t>
             </a:r>
           </a:p>
           <a:p>
